--- a/その他/卒論用.pptx
+++ b/その他/卒論用.pptx
@@ -105,7 +105,16 @@
       </a:defRPr>
     </a:lvl9pPr>
   </p:defaultTextStyle>
+  <p:extLst>
+    <p:ext uri="{EFAFB233-063F-42B5-8137-9DF3F51BA10A}">
+      <p15:sldGuideLst xmlns:p15="http://schemas.microsoft.com/office/powerpoint/2012/main"/>
+    </p:ext>
+  </p:extLst>
 </p:presentation>
+</file>
+
+<file path=ppt/revisionInfo.xml><?xml version="1.0" encoding="utf-8"?>
+<p1510:revInfo xmlns:a="http://schemas.openxmlformats.org/drawingml/2006/main" xmlns:r="http://schemas.openxmlformats.org/officeDocument/2006/relationships" xmlns:p1510="http://schemas.microsoft.com/office/powerpoint/2015/10/main"/>
 </file>
 
 <file path=ppt/slideLayouts/slideLayout1.xml><?xml version="1.0" encoding="utf-8"?>
@@ -255,7 +264,7 @@
           <a:p>
             <a:fld id="{43A556C5-620C-4793-AFA3-AC852138973B}" type="datetimeFigureOut">
               <a:rPr kumimoji="1" lang="ja-JP" altLang="en-US" smtClean="0"/>
-              <a:t>2018/1/20</a:t>
+              <a:t>2018/2/2</a:t>
             </a:fld>
             <a:endParaRPr kumimoji="1" lang="ja-JP" altLang="en-US"/>
           </a:p>
@@ -485,7 +494,7 @@
           <a:p>
             <a:fld id="{43A556C5-620C-4793-AFA3-AC852138973B}" type="datetimeFigureOut">
               <a:rPr kumimoji="1" lang="ja-JP" altLang="en-US" smtClean="0"/>
-              <a:t>2018/1/20</a:t>
+              <a:t>2018/2/2</a:t>
             </a:fld>
             <a:endParaRPr kumimoji="1" lang="ja-JP" altLang="en-US"/>
           </a:p>
@@ -725,7 +734,7 @@
           <a:p>
             <a:fld id="{43A556C5-620C-4793-AFA3-AC852138973B}" type="datetimeFigureOut">
               <a:rPr kumimoji="1" lang="ja-JP" altLang="en-US" smtClean="0"/>
-              <a:t>2018/1/20</a:t>
+              <a:t>2018/2/2</a:t>
             </a:fld>
             <a:endParaRPr kumimoji="1" lang="ja-JP" altLang="en-US"/>
           </a:p>
@@ -955,7 +964,7 @@
           <a:p>
             <a:fld id="{43A556C5-620C-4793-AFA3-AC852138973B}" type="datetimeFigureOut">
               <a:rPr kumimoji="1" lang="ja-JP" altLang="en-US" smtClean="0"/>
-              <a:t>2018/1/20</a:t>
+              <a:t>2018/2/2</a:t>
             </a:fld>
             <a:endParaRPr kumimoji="1" lang="ja-JP" altLang="en-US"/>
           </a:p>
@@ -1230,7 +1239,7 @@
           <a:p>
             <a:fld id="{43A556C5-620C-4793-AFA3-AC852138973B}" type="datetimeFigureOut">
               <a:rPr kumimoji="1" lang="ja-JP" altLang="en-US" smtClean="0"/>
-              <a:t>2018/1/20</a:t>
+              <a:t>2018/2/2</a:t>
             </a:fld>
             <a:endParaRPr kumimoji="1" lang="ja-JP" altLang="en-US"/>
           </a:p>
@@ -1559,7 +1568,7 @@
           <a:p>
             <a:fld id="{43A556C5-620C-4793-AFA3-AC852138973B}" type="datetimeFigureOut">
               <a:rPr kumimoji="1" lang="ja-JP" altLang="en-US" smtClean="0"/>
-              <a:t>2018/1/20</a:t>
+              <a:t>2018/2/2</a:t>
             </a:fld>
             <a:endParaRPr kumimoji="1" lang="ja-JP" altLang="en-US"/>
           </a:p>
@@ -2035,7 +2044,7 @@
           <a:p>
             <a:fld id="{43A556C5-620C-4793-AFA3-AC852138973B}" type="datetimeFigureOut">
               <a:rPr kumimoji="1" lang="ja-JP" altLang="en-US" smtClean="0"/>
-              <a:t>2018/1/20</a:t>
+              <a:t>2018/2/2</a:t>
             </a:fld>
             <a:endParaRPr kumimoji="1" lang="ja-JP" altLang="en-US"/>
           </a:p>
@@ -2176,7 +2185,7 @@
           <a:p>
             <a:fld id="{43A556C5-620C-4793-AFA3-AC852138973B}" type="datetimeFigureOut">
               <a:rPr kumimoji="1" lang="ja-JP" altLang="en-US" smtClean="0"/>
-              <a:t>2018/1/20</a:t>
+              <a:t>2018/2/2</a:t>
             </a:fld>
             <a:endParaRPr kumimoji="1" lang="ja-JP" altLang="en-US"/>
           </a:p>
@@ -2289,7 +2298,7 @@
           <a:p>
             <a:fld id="{43A556C5-620C-4793-AFA3-AC852138973B}" type="datetimeFigureOut">
               <a:rPr kumimoji="1" lang="ja-JP" altLang="en-US" smtClean="0"/>
-              <a:t>2018/1/20</a:t>
+              <a:t>2018/2/2</a:t>
             </a:fld>
             <a:endParaRPr kumimoji="1" lang="ja-JP" altLang="en-US"/>
           </a:p>
@@ -2632,7 +2641,7 @@
           <a:p>
             <a:fld id="{43A556C5-620C-4793-AFA3-AC852138973B}" type="datetimeFigureOut">
               <a:rPr kumimoji="1" lang="ja-JP" altLang="en-US" smtClean="0"/>
-              <a:t>2018/1/20</a:t>
+              <a:t>2018/2/2</a:t>
             </a:fld>
             <a:endParaRPr kumimoji="1" lang="ja-JP" altLang="en-US"/>
           </a:p>
@@ -2920,7 +2929,7 @@
           <a:p>
             <a:fld id="{43A556C5-620C-4793-AFA3-AC852138973B}" type="datetimeFigureOut">
               <a:rPr kumimoji="1" lang="ja-JP" altLang="en-US" smtClean="0"/>
-              <a:t>2018/1/20</a:t>
+              <a:t>2018/2/2</a:t>
             </a:fld>
             <a:endParaRPr kumimoji="1" lang="ja-JP" altLang="en-US"/>
           </a:p>
@@ -3193,7 +3202,7 @@
           <a:p>
             <a:fld id="{43A556C5-620C-4793-AFA3-AC852138973B}" type="datetimeFigureOut">
               <a:rPr kumimoji="1" lang="ja-JP" altLang="en-US" smtClean="0"/>
-              <a:t>2018/1/20</a:t>
+              <a:t>2018/2/2</a:t>
             </a:fld>
             <a:endParaRPr kumimoji="1" lang="ja-JP" altLang="en-US"/>
           </a:p>
@@ -3729,7 +3738,7 @@
         </p:nvGrpSpPr>
         <p:grpSpPr>
           <a:xfrm>
-            <a:off x="2650204" y="3757048"/>
+            <a:off x="2650206" y="2328985"/>
             <a:ext cx="6478293" cy="619932"/>
             <a:chOff x="2650207" y="3119034"/>
             <a:chExt cx="6478293" cy="619932"/>
@@ -3838,7 +3847,7 @@
         </p:nvGrpSpPr>
         <p:grpSpPr>
           <a:xfrm>
-            <a:off x="2650204" y="5290088"/>
+            <a:off x="2650206" y="3967002"/>
             <a:ext cx="6478293" cy="619932"/>
             <a:chOff x="2650209" y="1673818"/>
             <a:chExt cx="6478293" cy="619932"/>
@@ -3929,116 +3938,12 @@
           </p:txBody>
         </p:sp>
       </p:grpSp>
-      <p:grpSp>
-        <p:nvGrpSpPr>
-          <p:cNvPr id="15" name="グループ化 14">
-            <a:extLst>
-              <a:ext uri="{FF2B5EF4-FFF2-40B4-BE49-F238E27FC236}">
-                <a16:creationId xmlns:a16="http://schemas.microsoft.com/office/drawing/2014/main" id="{8FF20F12-3320-4EB2-A96F-23EC1D49D3BF}"/>
-              </a:ext>
-            </a:extLst>
-          </p:cNvPr>
-          <p:cNvGrpSpPr/>
-          <p:nvPr/>
-        </p:nvGrpSpPr>
-        <p:grpSpPr>
-          <a:xfrm>
-            <a:off x="2650206" y="2224008"/>
-            <a:ext cx="6478293" cy="619932"/>
-            <a:chOff x="2650209" y="1673818"/>
-            <a:chExt cx="6478293" cy="619932"/>
-          </a:xfrm>
-        </p:grpSpPr>
-        <p:sp>
-          <p:nvSpPr>
-            <p:cNvPr id="16" name="四角形: 角を丸くする 15">
-              <a:extLst>
-                <a:ext uri="{FF2B5EF4-FFF2-40B4-BE49-F238E27FC236}">
-                  <a16:creationId xmlns:a16="http://schemas.microsoft.com/office/drawing/2014/main" id="{9A1F0CF3-28F6-420B-9C74-E56504509D2B}"/>
-                </a:ext>
-              </a:extLst>
-            </p:cNvPr>
-            <p:cNvSpPr/>
-            <p:nvPr/>
-          </p:nvSpPr>
-          <p:spPr>
-            <a:xfrm>
-              <a:off x="2650209" y="1673818"/>
-              <a:ext cx="6478293" cy="619932"/>
-            </a:xfrm>
-            <a:prstGeom prst="roundRect">
-              <a:avLst/>
-            </a:prstGeom>
-            <a:noFill/>
-          </p:spPr>
-          <p:style>
-            <a:lnRef idx="2">
-              <a:schemeClr val="accent1">
-                <a:shade val="50000"/>
-              </a:schemeClr>
-            </a:lnRef>
-            <a:fillRef idx="1">
-              <a:schemeClr val="accent1"/>
-            </a:fillRef>
-            <a:effectRef idx="0">
-              <a:schemeClr val="accent1"/>
-            </a:effectRef>
-            <a:fontRef idx="minor">
-              <a:schemeClr val="lt1"/>
-            </a:fontRef>
-          </p:style>
-          <p:txBody>
-            <a:bodyPr rtlCol="0" anchor="ctr"/>
-            <a:lstStyle/>
-            <a:p>
-              <a:pPr algn="ctr"/>
-              <a:endParaRPr kumimoji="1" lang="ja-JP" altLang="en-US"/>
-            </a:p>
-          </p:txBody>
-        </p:sp>
-        <p:sp>
-          <p:nvSpPr>
-            <p:cNvPr id="17" name="テキスト ボックス 16">
-              <a:extLst>
-                <a:ext uri="{FF2B5EF4-FFF2-40B4-BE49-F238E27FC236}">
-                  <a16:creationId xmlns:a16="http://schemas.microsoft.com/office/drawing/2014/main" id="{C1D2820A-218F-426C-A6C2-FBB287EB558A}"/>
-                </a:ext>
-              </a:extLst>
-            </p:cNvPr>
-            <p:cNvSpPr txBox="1"/>
-            <p:nvPr/>
-          </p:nvSpPr>
-          <p:spPr>
-            <a:xfrm>
-              <a:off x="2943624" y="1730560"/>
-              <a:ext cx="5891461" cy="284219"/>
-            </a:xfrm>
-            <a:prstGeom prst="rect">
-              <a:avLst/>
-            </a:prstGeom>
-            <a:noFill/>
-          </p:spPr>
-          <p:txBody>
-            <a:bodyPr wrap="square" rtlCol="0">
-              <a:spAutoFit/>
-            </a:bodyPr>
-            <a:lstStyle/>
-            <a:p>
-              <a:r>
-                <a:rPr lang="ja-JP" altLang="en-US" sz="2800" dirty="0"/>
-                <a:t>緯度経度高さから直交座標系に変換</a:t>
-              </a:r>
-              <a:endParaRPr kumimoji="1" lang="en-US" altLang="ja-JP" sz="2800" dirty="0"/>
-            </a:p>
-          </p:txBody>
-        </p:sp>
-      </p:grpSp>
-      <p:sp>
-        <p:nvSpPr>
-          <p:cNvPr id="19" name="直角三角形 18">
-            <a:extLst>
-              <a:ext uri="{FF2B5EF4-FFF2-40B4-BE49-F238E27FC236}">
-                <a16:creationId xmlns:a16="http://schemas.microsoft.com/office/drawing/2014/main" id="{D81464EF-36DF-4E17-890D-DFFC42BCCD9D}"/>
+      <p:sp>
+        <p:nvSpPr>
+          <p:cNvPr id="20" name="直角三角形 19">
+            <a:extLst>
+              <a:ext uri="{FF2B5EF4-FFF2-40B4-BE49-F238E27FC236}">
+                <a16:creationId xmlns:a16="http://schemas.microsoft.com/office/drawing/2014/main" id="{B63CF886-3830-4E55-9900-3579FCB93508}"/>
               </a:ext>
             </a:extLst>
           </p:cNvPr>
@@ -4049,7 +3954,7 @@
         </p:nvSpPr>
         <p:spPr>
           <a:xfrm rot="18909181">
-            <a:off x="5603254" y="1284515"/>
+            <a:off x="5603256" y="3015659"/>
             <a:ext cx="597216" cy="597216"/>
           </a:xfrm>
           <a:prstGeom prst="rtTriangle">
@@ -4096,10 +4001,10 @@
       </p:sp>
       <p:sp>
         <p:nvSpPr>
-          <p:cNvPr id="20" name="直角三角形 19">
-            <a:extLst>
-              <a:ext uri="{FF2B5EF4-FFF2-40B4-BE49-F238E27FC236}">
-                <a16:creationId xmlns:a16="http://schemas.microsoft.com/office/drawing/2014/main" id="{B63CF886-3830-4E55-9900-3579FCB93508}"/>
+          <p:cNvPr id="21" name="直角三角形 20">
+            <a:extLst>
+              <a:ext uri="{FF2B5EF4-FFF2-40B4-BE49-F238E27FC236}">
+                <a16:creationId xmlns:a16="http://schemas.microsoft.com/office/drawing/2014/main" id="{827A774A-669A-42BE-8E38-A728A732DCE7}"/>
               </a:ext>
             </a:extLst>
           </p:cNvPr>
@@ -4110,68 +4015,7 @@
         </p:nvSpPr>
         <p:spPr>
           <a:xfrm rot="18909181">
-            <a:off x="5603254" y="4348332"/>
-            <a:ext cx="597216" cy="597216"/>
-          </a:xfrm>
-          <a:prstGeom prst="rtTriangle">
-            <a:avLst/>
-          </a:prstGeom>
-          <a:solidFill>
-            <a:schemeClr val="accent5">
-              <a:lumMod val="60000"/>
-              <a:lumOff val="40000"/>
-            </a:schemeClr>
-          </a:solidFill>
-          <a:ln w="6350">
-            <a:solidFill>
-              <a:schemeClr val="accent5">
-                <a:lumMod val="75000"/>
-              </a:schemeClr>
-            </a:solidFill>
-          </a:ln>
-        </p:spPr>
-        <p:style>
-          <a:lnRef idx="2">
-            <a:schemeClr val="accent1">
-              <a:shade val="50000"/>
-            </a:schemeClr>
-          </a:lnRef>
-          <a:fillRef idx="1">
-            <a:schemeClr val="accent1"/>
-          </a:fillRef>
-          <a:effectRef idx="0">
-            <a:schemeClr val="accent1"/>
-          </a:effectRef>
-          <a:fontRef idx="minor">
-            <a:schemeClr val="lt1"/>
-          </a:fontRef>
-        </p:style>
-        <p:txBody>
-          <a:bodyPr rtlCol="0" anchor="ctr"/>
-          <a:lstStyle/>
-          <a:p>
-            <a:pPr algn="ctr"/>
-            <a:endParaRPr kumimoji="1" lang="ja-JP" altLang="en-US"/>
-          </a:p>
-        </p:txBody>
-      </p:sp>
-      <p:sp>
-        <p:nvSpPr>
-          <p:cNvPr id="21" name="直角三角形 20">
-            <a:extLst>
-              <a:ext uri="{FF2B5EF4-FFF2-40B4-BE49-F238E27FC236}">
-                <a16:creationId xmlns:a16="http://schemas.microsoft.com/office/drawing/2014/main" id="{827A774A-669A-42BE-8E38-A728A732DCE7}"/>
-              </a:ext>
-            </a:extLst>
-          </p:cNvPr>
-          <p:cNvSpPr>
-            <a:spLocks noChangeAspect="1"/>
-          </p:cNvSpPr>
-          <p:nvPr/>
-        </p:nvSpPr>
-        <p:spPr>
-          <a:xfrm rot="18909181">
-            <a:off x="5606153" y="2814414"/>
+            <a:off x="5606155" y="1377642"/>
             <a:ext cx="597216" cy="597216"/>
           </a:xfrm>
           <a:prstGeom prst="rtTriangle">

--- a/その他/卒論用.pptx
+++ b/その他/卒論用.pptx
@@ -7,6 +7,8 @@
   <p:sldIdLst>
     <p:sldId id="257" r:id="rId2"/>
     <p:sldId id="258" r:id="rId3"/>
+    <p:sldId id="259" r:id="rId4"/>
+    <p:sldId id="260" r:id="rId5"/>
   </p:sldIdLst>
   <p:sldSz cx="12192000" cy="6858000"/>
   <p:notesSz cx="6858000" cy="9144000"/>
@@ -113,10 +115,6 @@
 </p:presentation>
 </file>
 
-<file path=ppt/revisionInfo.xml><?xml version="1.0" encoding="utf-8"?>
-<p1510:revInfo xmlns:a="http://schemas.openxmlformats.org/drawingml/2006/main" xmlns:r="http://schemas.openxmlformats.org/officeDocument/2006/relationships" xmlns:p1510="http://schemas.microsoft.com/office/powerpoint/2015/10/main"/>
-</file>
-
 <file path=ppt/slideLayouts/slideLayout1.xml><?xml version="1.0" encoding="utf-8"?>
 <p:sldLayout xmlns:a="http://schemas.openxmlformats.org/drawingml/2006/main" xmlns:r="http://schemas.openxmlformats.org/officeDocument/2006/relationships" xmlns:p="http://schemas.openxmlformats.org/presentationml/2006/main" type="title" preserve="1">
   <p:cSld name="タイトル スライド">
@@ -264,7 +262,7 @@
           <a:p>
             <a:fld id="{43A556C5-620C-4793-AFA3-AC852138973B}" type="datetimeFigureOut">
               <a:rPr kumimoji="1" lang="ja-JP" altLang="en-US" smtClean="0"/>
-              <a:t>2018/2/2</a:t>
+              <a:t>2018/2/13</a:t>
             </a:fld>
             <a:endParaRPr kumimoji="1" lang="ja-JP" altLang="en-US"/>
           </a:p>
@@ -494,7 +492,7 @@
           <a:p>
             <a:fld id="{43A556C5-620C-4793-AFA3-AC852138973B}" type="datetimeFigureOut">
               <a:rPr kumimoji="1" lang="ja-JP" altLang="en-US" smtClean="0"/>
-              <a:t>2018/2/2</a:t>
+              <a:t>2018/2/13</a:t>
             </a:fld>
             <a:endParaRPr kumimoji="1" lang="ja-JP" altLang="en-US"/>
           </a:p>
@@ -734,7 +732,7 @@
           <a:p>
             <a:fld id="{43A556C5-620C-4793-AFA3-AC852138973B}" type="datetimeFigureOut">
               <a:rPr kumimoji="1" lang="ja-JP" altLang="en-US" smtClean="0"/>
-              <a:t>2018/2/2</a:t>
+              <a:t>2018/2/13</a:t>
             </a:fld>
             <a:endParaRPr kumimoji="1" lang="ja-JP" altLang="en-US"/>
           </a:p>
@@ -964,7 +962,7 @@
           <a:p>
             <a:fld id="{43A556C5-620C-4793-AFA3-AC852138973B}" type="datetimeFigureOut">
               <a:rPr kumimoji="1" lang="ja-JP" altLang="en-US" smtClean="0"/>
-              <a:t>2018/2/2</a:t>
+              <a:t>2018/2/13</a:t>
             </a:fld>
             <a:endParaRPr kumimoji="1" lang="ja-JP" altLang="en-US"/>
           </a:p>
@@ -1239,7 +1237,7 @@
           <a:p>
             <a:fld id="{43A556C5-620C-4793-AFA3-AC852138973B}" type="datetimeFigureOut">
               <a:rPr kumimoji="1" lang="ja-JP" altLang="en-US" smtClean="0"/>
-              <a:t>2018/2/2</a:t>
+              <a:t>2018/2/13</a:t>
             </a:fld>
             <a:endParaRPr kumimoji="1" lang="ja-JP" altLang="en-US"/>
           </a:p>
@@ -1568,7 +1566,7 @@
           <a:p>
             <a:fld id="{43A556C5-620C-4793-AFA3-AC852138973B}" type="datetimeFigureOut">
               <a:rPr kumimoji="1" lang="ja-JP" altLang="en-US" smtClean="0"/>
-              <a:t>2018/2/2</a:t>
+              <a:t>2018/2/13</a:t>
             </a:fld>
             <a:endParaRPr kumimoji="1" lang="ja-JP" altLang="en-US"/>
           </a:p>
@@ -2044,7 +2042,7 @@
           <a:p>
             <a:fld id="{43A556C5-620C-4793-AFA3-AC852138973B}" type="datetimeFigureOut">
               <a:rPr kumimoji="1" lang="ja-JP" altLang="en-US" smtClean="0"/>
-              <a:t>2018/2/2</a:t>
+              <a:t>2018/2/13</a:t>
             </a:fld>
             <a:endParaRPr kumimoji="1" lang="ja-JP" altLang="en-US"/>
           </a:p>
@@ -2185,7 +2183,7 @@
           <a:p>
             <a:fld id="{43A556C5-620C-4793-AFA3-AC852138973B}" type="datetimeFigureOut">
               <a:rPr kumimoji="1" lang="ja-JP" altLang="en-US" smtClean="0"/>
-              <a:t>2018/2/2</a:t>
+              <a:t>2018/2/13</a:t>
             </a:fld>
             <a:endParaRPr kumimoji="1" lang="ja-JP" altLang="en-US"/>
           </a:p>
@@ -2298,7 +2296,7 @@
           <a:p>
             <a:fld id="{43A556C5-620C-4793-AFA3-AC852138973B}" type="datetimeFigureOut">
               <a:rPr kumimoji="1" lang="ja-JP" altLang="en-US" smtClean="0"/>
-              <a:t>2018/2/2</a:t>
+              <a:t>2018/2/13</a:t>
             </a:fld>
             <a:endParaRPr kumimoji="1" lang="ja-JP" altLang="en-US"/>
           </a:p>
@@ -2641,7 +2639,7 @@
           <a:p>
             <a:fld id="{43A556C5-620C-4793-AFA3-AC852138973B}" type="datetimeFigureOut">
               <a:rPr kumimoji="1" lang="ja-JP" altLang="en-US" smtClean="0"/>
-              <a:t>2018/2/2</a:t>
+              <a:t>2018/2/13</a:t>
             </a:fld>
             <a:endParaRPr kumimoji="1" lang="ja-JP" altLang="en-US"/>
           </a:p>
@@ -2929,7 +2927,7 @@
           <a:p>
             <a:fld id="{43A556C5-620C-4793-AFA3-AC852138973B}" type="datetimeFigureOut">
               <a:rPr kumimoji="1" lang="ja-JP" altLang="en-US" smtClean="0"/>
-              <a:t>2018/2/2</a:t>
+              <a:t>2018/2/13</a:t>
             </a:fld>
             <a:endParaRPr kumimoji="1" lang="ja-JP" altLang="en-US"/>
           </a:p>
@@ -3202,7 +3200,7 @@
           <a:p>
             <a:fld id="{43A556C5-620C-4793-AFA3-AC852138973B}" type="datetimeFigureOut">
               <a:rPr kumimoji="1" lang="ja-JP" altLang="en-US" smtClean="0"/>
-              <a:t>2018/2/2</a:t>
+              <a:t>2018/2/13</a:t>
             </a:fld>
             <a:endParaRPr kumimoji="1" lang="ja-JP" altLang="en-US"/>
           </a:p>
@@ -4749,6 +4747,232 @@
 </p:sld>
 </file>
 
+<file path=ppt/slides/slide3.xml><?xml version="1.0" encoding="utf-8"?>
+<p:sld xmlns:a="http://schemas.openxmlformats.org/drawingml/2006/main" xmlns:r="http://schemas.openxmlformats.org/officeDocument/2006/relationships" xmlns:p="http://schemas.openxmlformats.org/presentationml/2006/main">
+  <p:cSld>
+    <p:spTree>
+      <p:nvGrpSpPr>
+        <p:cNvPr id="1" name=""/>
+        <p:cNvGrpSpPr/>
+        <p:nvPr/>
+      </p:nvGrpSpPr>
+      <p:grpSpPr>
+        <a:xfrm>
+          <a:off x="0" y="0"/>
+          <a:ext cx="0" cy="0"/>
+          <a:chOff x="0" y="0"/>
+          <a:chExt cx="0" cy="0"/>
+        </a:xfrm>
+      </p:grpSpPr>
+      <p:pic>
+        <p:nvPicPr>
+          <p:cNvPr id="3" name="図 2">
+            <a:extLst>
+              <a:ext uri="{FF2B5EF4-FFF2-40B4-BE49-F238E27FC236}">
+                <a16:creationId xmlns:a16="http://schemas.microsoft.com/office/drawing/2014/main" id="{5C28E483-5B9B-4CBD-A974-9652CCEC3B3D}"/>
+              </a:ext>
+            </a:extLst>
+          </p:cNvPr>
+          <p:cNvPicPr>
+            <a:picLocks noChangeAspect="1"/>
+          </p:cNvPicPr>
+          <p:nvPr/>
+        </p:nvPicPr>
+        <p:blipFill rotWithShape="1">
+          <a:blip r:embed="rId2">
+            <a:extLst>
+              <a:ext uri="{28A0092B-C50C-407E-A947-70E740481C1C}">
+                <a14:useLocalDpi xmlns:a14="http://schemas.microsoft.com/office/drawing/2010/main" val="0"/>
+              </a:ext>
+            </a:extLst>
+          </a:blip>
+          <a:srcRect l="4596" t="30303" r="20925" b="15068"/>
+          <a:stretch/>
+        </p:blipFill>
+        <p:spPr>
+          <a:xfrm>
+            <a:off x="1359580" y="1276061"/>
+            <a:ext cx="9472840" cy="4038675"/>
+          </a:xfrm>
+          <a:prstGeom prst="rect">
+            <a:avLst/>
+          </a:prstGeom>
+        </p:spPr>
+      </p:pic>
+      <p:sp>
+        <p:nvSpPr>
+          <p:cNvPr id="5" name="乗算記号 4">
+            <a:extLst>
+              <a:ext uri="{FF2B5EF4-FFF2-40B4-BE49-F238E27FC236}">
+                <a16:creationId xmlns:a16="http://schemas.microsoft.com/office/drawing/2014/main" id="{ADE38A5A-62E4-415E-9D8C-C621BDD18E8C}"/>
+              </a:ext>
+            </a:extLst>
+          </p:cNvPr>
+          <p:cNvSpPr>
+            <a:spLocks noChangeAspect="1"/>
+          </p:cNvSpPr>
+          <p:nvPr/>
+        </p:nvSpPr>
+        <p:spPr>
+          <a:xfrm>
+            <a:off x="7322135" y="1886481"/>
+            <a:ext cx="562805" cy="562805"/>
+          </a:xfrm>
+          <a:prstGeom prst="mathMultiply">
+            <a:avLst/>
+          </a:prstGeom>
+        </p:spPr>
+        <p:style>
+          <a:lnRef idx="2">
+            <a:schemeClr val="accent1">
+              <a:shade val="50000"/>
+            </a:schemeClr>
+          </a:lnRef>
+          <a:fillRef idx="1">
+            <a:schemeClr val="accent1"/>
+          </a:fillRef>
+          <a:effectRef idx="0">
+            <a:schemeClr val="accent1"/>
+          </a:effectRef>
+          <a:fontRef idx="minor">
+            <a:schemeClr val="lt1"/>
+          </a:fontRef>
+        </p:style>
+        <p:txBody>
+          <a:bodyPr rtlCol="0" anchor="ctr"/>
+          <a:lstStyle/>
+          <a:p>
+            <a:pPr algn="ctr"/>
+            <a:endParaRPr kumimoji="1" lang="ja-JP" altLang="en-US"/>
+          </a:p>
+        </p:txBody>
+      </p:sp>
+    </p:spTree>
+    <p:extLst>
+      <p:ext uri="{BB962C8B-B14F-4D97-AF65-F5344CB8AC3E}">
+        <p14:creationId xmlns:p14="http://schemas.microsoft.com/office/powerpoint/2010/main" val="2226409124"/>
+      </p:ext>
+    </p:extLst>
+  </p:cSld>
+  <p:clrMapOvr>
+    <a:masterClrMapping/>
+  </p:clrMapOvr>
+</p:sld>
+</file>
+
+<file path=ppt/slides/slide4.xml><?xml version="1.0" encoding="utf-8"?>
+<p:sld xmlns:a="http://schemas.openxmlformats.org/drawingml/2006/main" xmlns:r="http://schemas.openxmlformats.org/officeDocument/2006/relationships" xmlns:p="http://schemas.openxmlformats.org/presentationml/2006/main">
+  <p:cSld>
+    <p:spTree>
+      <p:nvGrpSpPr>
+        <p:cNvPr id="1" name=""/>
+        <p:cNvGrpSpPr/>
+        <p:nvPr/>
+      </p:nvGrpSpPr>
+      <p:grpSpPr>
+        <a:xfrm>
+          <a:off x="0" y="0"/>
+          <a:ext cx="0" cy="0"/>
+          <a:chOff x="0" y="0"/>
+          <a:chExt cx="0" cy="0"/>
+        </a:xfrm>
+      </p:grpSpPr>
+      <p:pic>
+        <p:nvPicPr>
+          <p:cNvPr id="3" name="図 2">
+            <a:extLst>
+              <a:ext uri="{FF2B5EF4-FFF2-40B4-BE49-F238E27FC236}">
+                <a16:creationId xmlns:a16="http://schemas.microsoft.com/office/drawing/2014/main" id="{680D57CD-2DF2-4C49-B446-48BFBA05B726}"/>
+              </a:ext>
+            </a:extLst>
+          </p:cNvPr>
+          <p:cNvPicPr>
+            <a:picLocks noChangeAspect="1"/>
+          </p:cNvPicPr>
+          <p:nvPr/>
+        </p:nvPicPr>
+        <p:blipFill rotWithShape="1">
+          <a:blip r:embed="rId2">
+            <a:extLst>
+              <a:ext uri="{28A0092B-C50C-407E-A947-70E740481C1C}">
+                <a14:useLocalDpi xmlns:a14="http://schemas.microsoft.com/office/drawing/2010/main" val="0"/>
+              </a:ext>
+            </a:extLst>
+          </a:blip>
+          <a:srcRect l="7773" t="23273" r="16275" b="8121"/>
+          <a:stretch/>
+        </p:blipFill>
+        <p:spPr>
+          <a:xfrm>
+            <a:off x="1615440" y="1076498"/>
+            <a:ext cx="8961120" cy="4705003"/>
+          </a:xfrm>
+          <a:prstGeom prst="rect">
+            <a:avLst/>
+          </a:prstGeom>
+        </p:spPr>
+      </p:pic>
+      <p:sp>
+        <p:nvSpPr>
+          <p:cNvPr id="5" name="乗算記号 4">
+            <a:extLst>
+              <a:ext uri="{FF2B5EF4-FFF2-40B4-BE49-F238E27FC236}">
+                <a16:creationId xmlns:a16="http://schemas.microsoft.com/office/drawing/2014/main" id="{99349503-0D82-4884-AE14-E3F83911B2EC}"/>
+              </a:ext>
+            </a:extLst>
+          </p:cNvPr>
+          <p:cNvSpPr>
+            <a:spLocks noChangeAspect="1"/>
+          </p:cNvSpPr>
+          <p:nvPr/>
+        </p:nvSpPr>
+        <p:spPr>
+          <a:xfrm>
+            <a:off x="7109864" y="4597025"/>
+            <a:ext cx="562805" cy="562805"/>
+          </a:xfrm>
+          <a:prstGeom prst="mathMultiply">
+            <a:avLst/>
+          </a:prstGeom>
+        </p:spPr>
+        <p:style>
+          <a:lnRef idx="2">
+            <a:schemeClr val="accent1">
+              <a:shade val="50000"/>
+            </a:schemeClr>
+          </a:lnRef>
+          <a:fillRef idx="1">
+            <a:schemeClr val="accent1"/>
+          </a:fillRef>
+          <a:effectRef idx="0">
+            <a:schemeClr val="accent1"/>
+          </a:effectRef>
+          <a:fontRef idx="minor">
+            <a:schemeClr val="lt1"/>
+          </a:fontRef>
+        </p:style>
+        <p:txBody>
+          <a:bodyPr rtlCol="0" anchor="ctr"/>
+          <a:lstStyle/>
+          <a:p>
+            <a:pPr algn="ctr"/>
+            <a:endParaRPr kumimoji="1" lang="ja-JP" altLang="en-US"/>
+          </a:p>
+        </p:txBody>
+      </p:sp>
+    </p:spTree>
+    <p:extLst>
+      <p:ext uri="{BB962C8B-B14F-4D97-AF65-F5344CB8AC3E}">
+        <p14:creationId xmlns:p14="http://schemas.microsoft.com/office/powerpoint/2010/main" val="2281064638"/>
+      </p:ext>
+    </p:extLst>
+  </p:cSld>
+  <p:clrMapOvr>
+    <a:masterClrMapping/>
+  </p:clrMapOvr>
+</p:sld>
+</file>
+
 <file path=ppt/theme/theme1.xml><?xml version="1.0" encoding="utf-8"?>
 <a:theme xmlns:a="http://schemas.openxmlformats.org/drawingml/2006/main" name="Office テーマ">
   <a:themeElements>
